--- a/4-CSS Properties.pptx
+++ b/4-CSS Properties.pptx
@@ -13,9 +13,9 @@
     <p:sldId id="263" r:id="rId7"/>
     <p:sldId id="264" r:id="rId8"/>
     <p:sldId id="260" r:id="rId9"/>
-    <p:sldId id="261" r:id="rId10"/>
-    <p:sldId id="265" r:id="rId11"/>
-    <p:sldId id="262" r:id="rId12"/>
+    <p:sldId id="262" r:id="rId10"/>
+    <p:sldId id="261" r:id="rId11"/>
+    <p:sldId id="265" r:id="rId12"/>
     <p:sldId id="271" r:id="rId13"/>
     <p:sldId id="268" r:id="rId14"/>
     <p:sldId id="269" r:id="rId15"/>
@@ -747,7 +747,7 @@
           <a:p>
             <a:fld id="{2E0A07DD-C574-41D9-94B2-7C4E91590E08}" type="datetimeFigureOut">
               <a:rPr lang="en-US" smtClean="0"/>
-              <a:t>12/4/2024</a:t>
+              <a:t>9/24/2025</a:t>
             </a:fld>
             <a:endParaRPr lang="en-US"/>
           </a:p>
@@ -943,7 +943,7 @@
           <a:p>
             <a:fld id="{2E0A07DD-C574-41D9-94B2-7C4E91590E08}" type="datetimeFigureOut">
               <a:rPr lang="en-US" smtClean="0"/>
-              <a:t>12/4/2024</a:t>
+              <a:t>9/24/2025</a:t>
             </a:fld>
             <a:endParaRPr lang="en-US"/>
           </a:p>
@@ -1128,7 +1128,7 @@
           <a:p>
             <a:fld id="{2E0A07DD-C574-41D9-94B2-7C4E91590E08}" type="datetimeFigureOut">
               <a:rPr lang="en-US" smtClean="0"/>
-              <a:t>12/4/2024</a:t>
+              <a:t>9/24/2025</a:t>
             </a:fld>
             <a:endParaRPr lang="en-US"/>
           </a:p>
@@ -1278,7 +1278,7 @@
           <a:p>
             <a:fld id="{2E0A07DD-C574-41D9-94B2-7C4E91590E08}" type="datetimeFigureOut">
               <a:rPr lang="en-US" smtClean="0"/>
-              <a:t>12/4/2024</a:t>
+              <a:t>9/24/2025</a:t>
             </a:fld>
             <a:endParaRPr lang="en-US"/>
           </a:p>
@@ -1533,7 +1533,7 @@
           <a:p>
             <a:fld id="{2E0A07DD-C574-41D9-94B2-7C4E91590E08}" type="datetimeFigureOut">
               <a:rPr lang="en-US" smtClean="0"/>
-              <a:t>12/4/2024</a:t>
+              <a:t>9/24/2025</a:t>
             </a:fld>
             <a:endParaRPr lang="en-US"/>
           </a:p>
@@ -1942,7 +1942,7 @@
           <a:p>
             <a:fld id="{2E0A07DD-C574-41D9-94B2-7C4E91590E08}" type="datetimeFigureOut">
               <a:rPr lang="en-US" smtClean="0"/>
-              <a:t>12/4/2024</a:t>
+              <a:t>9/24/2025</a:t>
             </a:fld>
             <a:endParaRPr lang="en-US"/>
           </a:p>
@@ -2388,7 +2388,7 @@
           <a:p>
             <a:fld id="{2E0A07DD-C574-41D9-94B2-7C4E91590E08}" type="datetimeFigureOut">
               <a:rPr lang="en-US" smtClean="0"/>
-              <a:t>12/4/2024</a:t>
+              <a:t>9/24/2025</a:t>
             </a:fld>
             <a:endParaRPr lang="en-US"/>
           </a:p>
@@ -2489,7 +2489,7 @@
           <a:p>
             <a:fld id="{2E0A07DD-C574-41D9-94B2-7C4E91590E08}" type="datetimeFigureOut">
               <a:rPr lang="en-US" smtClean="0"/>
-              <a:t>12/4/2024</a:t>
+              <a:t>9/24/2025</a:t>
             </a:fld>
             <a:endParaRPr lang="en-US"/>
           </a:p>
@@ -2610,7 +2610,7 @@
           <a:p>
             <a:fld id="{2E0A07DD-C574-41D9-94B2-7C4E91590E08}" type="datetimeFigureOut">
               <a:rPr lang="en-US" smtClean="0"/>
-              <a:t>12/4/2024</a:t>
+              <a:t>9/24/2025</a:t>
             </a:fld>
             <a:endParaRPr lang="en-US"/>
           </a:p>
@@ -2884,7 +2884,7 @@
           <a:p>
             <a:fld id="{2E0A07DD-C574-41D9-94B2-7C4E91590E08}" type="datetimeFigureOut">
               <a:rPr lang="en-US" smtClean="0"/>
-              <a:t>12/4/2024</a:t>
+              <a:t>9/24/2025</a:t>
             </a:fld>
             <a:endParaRPr lang="en-US"/>
           </a:p>
@@ -3089,7 +3089,7 @@
           <a:p>
             <a:fld id="{2E0A07DD-C574-41D9-94B2-7C4E91590E08}" type="datetimeFigureOut">
               <a:rPr lang="en-US" smtClean="0"/>
-              <a:t>12/4/2024</a:t>
+              <a:t>9/24/2025</a:t>
             </a:fld>
             <a:endParaRPr lang="en-US"/>
           </a:p>
@@ -4198,7 +4198,7 @@
           <a:p>
             <a:fld id="{2E0A07DD-C574-41D9-94B2-7C4E91590E08}" type="datetimeFigureOut">
               <a:rPr lang="en-US" smtClean="0"/>
-              <a:t>12/4/2024</a:t>
+              <a:t>9/24/2025</a:t>
             </a:fld>
             <a:endParaRPr lang="en-US"/>
           </a:p>
@@ -4638,10 +4638,286 @@
   <p:clrMapOvr>
     <a:masterClrMapping/>
   </p:clrMapOvr>
+  <p:timing>
+    <p:tnLst>
+      <p:par>
+        <p:cTn id="1" dur="indefinite" restart="never" nodeType="tmRoot"/>
+      </p:par>
+    </p:tnLst>
+  </p:timing>
 </p:sld>
 </file>
 
 <file path=ppt/slides/slide10.xml><?xml version="1.0" encoding="utf-8"?>
+<p:sld xmlns:a="http://schemas.openxmlformats.org/drawingml/2006/main" xmlns:r="http://schemas.openxmlformats.org/officeDocument/2006/relationships" xmlns:p="http://schemas.openxmlformats.org/presentationml/2006/main">
+  <p:cSld>
+    <p:spTree>
+      <p:nvGrpSpPr>
+        <p:cNvPr id="1" name=""/>
+        <p:cNvGrpSpPr/>
+        <p:nvPr/>
+      </p:nvGrpSpPr>
+      <p:grpSpPr>
+        <a:xfrm>
+          <a:off x="0" y="0"/>
+          <a:ext cx="0" cy="0"/>
+          <a:chOff x="0" y="0"/>
+          <a:chExt cx="0" cy="0"/>
+        </a:xfrm>
+      </p:grpSpPr>
+      <p:sp>
+        <p:nvSpPr>
+          <p:cNvPr id="2" name="Content Placeholder 1"/>
+          <p:cNvSpPr>
+            <a:spLocks noGrp="1"/>
+          </p:cNvSpPr>
+          <p:nvPr>
+            <p:ph idx="1"/>
+          </p:nvPr>
+        </p:nvSpPr>
+        <p:spPr/>
+        <p:txBody>
+          <a:bodyPr>
+            <a:normAutofit fontScale="92500" lnSpcReduction="20000"/>
+          </a:bodyPr>
+          <a:lstStyle/>
+          <a:p>
+            <a:r>
+              <a:rPr lang="en-US" sz="1800" dirty="0"/>
+              <a:t>&lt;pre</a:t>
+            </a:r>
+            <a:r>
+              <a:rPr lang="en-US" sz="1800" dirty="0" smtClean="0"/>
+              <a:t>&gt;</a:t>
+            </a:r>
+          </a:p>
+          <a:p>
+            <a:r>
+              <a:rPr lang="en-US" sz="1800" dirty="0"/>
+              <a:t> </a:t>
+            </a:r>
+            <a:r>
+              <a:rPr lang="en-US" sz="1800" dirty="0" smtClean="0"/>
+              <a:t> &lt;</a:t>
+            </a:r>
+            <a:r>
+              <a:rPr lang="en-US" sz="1800" dirty="0"/>
+              <a:t>code&gt;</a:t>
+            </a:r>
+          </a:p>
+          <a:p>
+            <a:r>
+              <a:rPr lang="en-US" sz="1800" dirty="0" smtClean="0"/>
+              <a:t>     function name(name</a:t>
+            </a:r>
+            <a:r>
+              <a:rPr lang="en-US" sz="1800" dirty="0"/>
+              <a:t>) {</a:t>
+            </a:r>
+          </a:p>
+          <a:p>
+            <a:r>
+              <a:rPr lang="en-US" sz="1800" dirty="0"/>
+              <a:t>    </a:t>
+            </a:r>
+            <a:r>
+              <a:rPr lang="en-US" sz="1800" dirty="0" smtClean="0"/>
+              <a:t> console.log</a:t>
+            </a:r>
+            <a:r>
+              <a:rPr lang="en-US" sz="1800" dirty="0"/>
+              <a:t>("Hello, " + name);</a:t>
+            </a:r>
+          </a:p>
+          <a:p>
+            <a:r>
+              <a:rPr lang="en-US" sz="1800" dirty="0" smtClean="0"/>
+              <a:t>      }</a:t>
+            </a:r>
+            <a:endParaRPr lang="en-US" sz="1800" dirty="0"/>
+          </a:p>
+          <a:p>
+            <a:r>
+              <a:rPr lang="en-US" sz="1800" dirty="0" smtClean="0"/>
+              <a:t>      name("</a:t>
+            </a:r>
+            <a:r>
+              <a:rPr lang="en-US" sz="1800" dirty="0"/>
+              <a:t>World");</a:t>
+            </a:r>
+          </a:p>
+          <a:p>
+            <a:r>
+              <a:rPr lang="en-US" sz="1800" dirty="0" smtClean="0"/>
+              <a:t>  &lt;/</a:t>
+            </a:r>
+            <a:r>
+              <a:rPr lang="en-US" sz="1800" dirty="0"/>
+              <a:t>code</a:t>
+            </a:r>
+            <a:r>
+              <a:rPr lang="en-US" sz="1800" dirty="0" smtClean="0"/>
+              <a:t>&gt;</a:t>
+            </a:r>
+          </a:p>
+          <a:p>
+            <a:r>
+              <a:rPr lang="en-US" sz="1800" dirty="0" smtClean="0"/>
+              <a:t>&lt;/</a:t>
+            </a:r>
+            <a:r>
+              <a:rPr lang="en-US" sz="1800" dirty="0"/>
+              <a:t>pre&gt;</a:t>
+            </a:r>
+          </a:p>
+          <a:p>
+            <a:endParaRPr lang="fa-IR" dirty="0" smtClean="0"/>
+          </a:p>
+          <a:p>
+            <a:r>
+              <a:rPr lang="en-US" dirty="0"/>
+              <a:t> </a:t>
+            </a:r>
+            <a:r>
+              <a:rPr lang="en-US" sz="1700" dirty="0"/>
+              <a:t> &lt;pre</a:t>
+            </a:r>
+            <a:r>
+              <a:rPr lang="en-US" sz="1700" dirty="0" smtClean="0"/>
+              <a:t>&gt;</a:t>
+            </a:r>
+            <a:endParaRPr lang="fa-IR" sz="1700" dirty="0" smtClean="0"/>
+          </a:p>
+          <a:p>
+            <a:r>
+              <a:rPr lang="fa-IR" sz="1700" dirty="0"/>
+              <a:t> </a:t>
+            </a:r>
+            <a:r>
+              <a:rPr lang="fa-IR" sz="1700" dirty="0" smtClean="0"/>
+              <a:t>    </a:t>
+            </a:r>
+            <a:r>
+              <a:rPr lang="en-US" sz="1700" dirty="0" smtClean="0"/>
+              <a:t>&lt;</a:t>
+            </a:r>
+            <a:r>
+              <a:rPr lang="en-US" sz="1700" dirty="0"/>
+              <a:t>code&gt;</a:t>
+            </a:r>
+          </a:p>
+          <a:p>
+            <a:r>
+              <a:rPr lang="en-US" sz="1700" dirty="0"/>
+              <a:t>    </a:t>
+            </a:r>
+            <a:r>
+              <a:rPr lang="fa-IR" sz="1700" dirty="0" smtClean="0"/>
+              <a:t>     </a:t>
+            </a:r>
+            <a:r>
+              <a:rPr lang="en-US" sz="1700" dirty="0" smtClean="0"/>
+              <a:t>&amp;</a:t>
+            </a:r>
+            <a:r>
+              <a:rPr lang="en-US" sz="1700" dirty="0"/>
+              <a:t>lt;div class="container"&amp;gt;</a:t>
+            </a:r>
+          </a:p>
+          <a:p>
+            <a:r>
+              <a:rPr lang="en-US" sz="1700" dirty="0"/>
+              <a:t>        &amp;lt;p&amp;gt;Hello, World!&amp;lt;/p&amp;gt;</a:t>
+            </a:r>
+          </a:p>
+          <a:p>
+            <a:r>
+              <a:rPr lang="en-US" sz="1700" dirty="0"/>
+              <a:t>    </a:t>
+            </a:r>
+            <a:r>
+              <a:rPr lang="fa-IR" sz="1700" dirty="0" smtClean="0"/>
+              <a:t>     </a:t>
+            </a:r>
+            <a:r>
+              <a:rPr lang="en-US" sz="1700" dirty="0" smtClean="0"/>
+              <a:t>&amp;</a:t>
+            </a:r>
+            <a:r>
+              <a:rPr lang="en-US" sz="1700" dirty="0"/>
+              <a:t>lt;/div&amp;gt;</a:t>
+            </a:r>
+          </a:p>
+          <a:p>
+            <a:r>
+              <a:rPr lang="en-US" sz="1700" dirty="0"/>
+              <a:t>    &lt;/code</a:t>
+            </a:r>
+            <a:r>
+              <a:rPr lang="en-US" sz="1700" dirty="0" smtClean="0"/>
+              <a:t>&gt;</a:t>
+            </a:r>
+            <a:endParaRPr lang="fa-IR" sz="1700" dirty="0" smtClean="0"/>
+          </a:p>
+          <a:p>
+            <a:r>
+              <a:rPr lang="en-US" sz="1700" dirty="0" smtClean="0"/>
+              <a:t>&lt;/</a:t>
+            </a:r>
+            <a:r>
+              <a:rPr lang="en-US" sz="1700" dirty="0"/>
+              <a:t>pre&gt;</a:t>
+            </a:r>
+          </a:p>
+          <a:p>
+            <a:endParaRPr lang="en-US" dirty="0"/>
+          </a:p>
+        </p:txBody>
+      </p:sp>
+      <p:sp>
+        <p:nvSpPr>
+          <p:cNvPr id="3" name="Title 2"/>
+          <p:cNvSpPr>
+            <a:spLocks noGrp="1"/>
+          </p:cNvSpPr>
+          <p:nvPr>
+            <p:ph type="title"/>
+          </p:nvPr>
+        </p:nvSpPr>
+        <p:spPr/>
+        <p:txBody>
+          <a:bodyPr/>
+          <a:lstStyle/>
+          <a:p>
+            <a:r>
+              <a:rPr lang="en-US" dirty="0" smtClean="0"/>
+              <a:t>Pre - Code</a:t>
+            </a:r>
+            <a:endParaRPr lang="en-US" dirty="0"/>
+          </a:p>
+        </p:txBody>
+      </p:sp>
+    </p:spTree>
+    <p:extLst>
+      <p:ext uri="{BB962C8B-B14F-4D97-AF65-F5344CB8AC3E}">
+        <p14:creationId xmlns:p14="http://schemas.microsoft.com/office/powerpoint/2010/main" val="2139934963"/>
+      </p:ext>
+    </p:extLst>
+  </p:cSld>
+  <p:clrMapOvr>
+    <a:masterClrMapping/>
+  </p:clrMapOvr>
+  <p:timing>
+    <p:tnLst>
+      <p:par>
+        <p:cTn id="1" dur="indefinite" restart="never" nodeType="tmRoot"/>
+      </p:par>
+    </p:tnLst>
+  </p:timing>
+</p:sld>
+</file>
+
+<file path=ppt/slides/slide11.xml><?xml version="1.0" encoding="utf-8"?>
 <p:sld xmlns:a="http://schemas.openxmlformats.org/drawingml/2006/main" xmlns:r="http://schemas.openxmlformats.org/officeDocument/2006/relationships" xmlns:p="http://schemas.openxmlformats.org/presentationml/2006/main">
   <p:cSld>
     <p:spTree>
@@ -5007,157 +5283,13 @@
   <p:clrMapOvr>
     <a:masterClrMapping/>
   </p:clrMapOvr>
-</p:sld>
-</file>
-
-<file path=ppt/slides/slide11.xml><?xml version="1.0" encoding="utf-8"?>
-<p:sld xmlns:a="http://schemas.openxmlformats.org/drawingml/2006/main" xmlns:r="http://schemas.openxmlformats.org/officeDocument/2006/relationships" xmlns:p="http://schemas.openxmlformats.org/presentationml/2006/main">
-  <p:cSld>
-    <p:spTree>
-      <p:nvGrpSpPr>
-        <p:cNvPr id="1" name=""/>
-        <p:cNvGrpSpPr/>
-        <p:nvPr/>
-      </p:nvGrpSpPr>
-      <p:grpSpPr>
-        <a:xfrm>
-          <a:off x="0" y="0"/>
-          <a:ext cx="0" cy="0"/>
-          <a:chOff x="0" y="0"/>
-          <a:chExt cx="0" cy="0"/>
-        </a:xfrm>
-      </p:grpSpPr>
-      <p:sp>
-        <p:nvSpPr>
-          <p:cNvPr id="2" name="Content Placeholder 1"/>
-          <p:cNvSpPr>
-            <a:spLocks noGrp="1"/>
-          </p:cNvSpPr>
-          <p:nvPr>
-            <p:ph idx="1"/>
-          </p:nvPr>
-        </p:nvSpPr>
-        <p:spPr/>
-        <p:txBody>
-          <a:bodyPr/>
-          <a:lstStyle/>
-          <a:p>
-            <a:r>
-              <a:rPr lang="en-US" dirty="0"/>
-              <a:t>opacity: </a:t>
-            </a:r>
-            <a:r>
-              <a:rPr lang="en-US" dirty="0" smtClean="0"/>
-              <a:t>1</a:t>
-            </a:r>
-            <a:endParaRPr lang="fa-IR" dirty="0" smtClean="0"/>
-          </a:p>
-          <a:p>
-            <a:endParaRPr lang="fa-IR" dirty="0"/>
-          </a:p>
-          <a:p>
-            <a:r>
-              <a:rPr lang="en-US" dirty="0"/>
-              <a:t>opacity: </a:t>
-            </a:r>
-            <a:r>
-              <a:rPr lang="fa-IR" dirty="0" smtClean="0"/>
-              <a:t>0</a:t>
-            </a:r>
-          </a:p>
-          <a:p>
-            <a:endParaRPr lang="fa-IR" sz="2000" dirty="0"/>
-          </a:p>
-          <a:p>
-            <a:r>
-              <a:rPr lang="en-US" sz="2000" dirty="0" smtClean="0"/>
-              <a:t>.</a:t>
-            </a:r>
-            <a:r>
-              <a:rPr lang="en-US" sz="1600" dirty="0" smtClean="0"/>
-              <a:t>div</a:t>
-            </a:r>
-            <a:endParaRPr lang="fa-IR" sz="1600" dirty="0" smtClean="0"/>
-          </a:p>
-          <a:p>
-            <a:r>
-              <a:rPr lang="en-US" sz="1600" dirty="0" smtClean="0"/>
-              <a:t> </a:t>
-            </a:r>
-            <a:r>
-              <a:rPr lang="fa-IR" sz="1600" dirty="0" smtClean="0"/>
-              <a:t>   </a:t>
-            </a:r>
-            <a:r>
-              <a:rPr lang="en-US" sz="1600" dirty="0" smtClean="0"/>
-              <a:t>{</a:t>
-            </a:r>
-            <a:endParaRPr lang="fa-IR" sz="1600" dirty="0" smtClean="0"/>
-          </a:p>
-          <a:p>
-            <a:r>
-              <a:rPr lang="en-US" sz="1600" dirty="0" smtClean="0"/>
-              <a:t> </a:t>
-            </a:r>
-            <a:r>
-              <a:rPr lang="fa-IR" sz="1600" dirty="0" smtClean="0"/>
-              <a:t>     </a:t>
-            </a:r>
-            <a:r>
-              <a:rPr lang="en-US" sz="1600" dirty="0" smtClean="0"/>
-              <a:t>opacity</a:t>
-            </a:r>
-            <a:r>
-              <a:rPr lang="en-US" sz="1600" dirty="0"/>
-              <a:t>: 0.5; </a:t>
-            </a:r>
-            <a:endParaRPr lang="fa-IR" sz="1600" dirty="0" smtClean="0"/>
-          </a:p>
-          <a:p>
-            <a:r>
-              <a:rPr lang="fa-IR" sz="1600" dirty="0" smtClean="0"/>
-              <a:t>{</a:t>
-            </a:r>
-            <a:r>
-              <a:rPr lang="fa-IR" sz="2000" dirty="0" smtClean="0"/>
-              <a:t>   </a:t>
-            </a:r>
-            <a:endParaRPr lang="en-US" sz="2000" dirty="0"/>
-          </a:p>
-        </p:txBody>
-      </p:sp>
-      <p:sp>
-        <p:nvSpPr>
-          <p:cNvPr id="3" name="Title 2"/>
-          <p:cNvSpPr>
-            <a:spLocks noGrp="1"/>
-          </p:cNvSpPr>
-          <p:nvPr>
-            <p:ph type="title"/>
-          </p:nvPr>
-        </p:nvSpPr>
-        <p:spPr/>
-        <p:txBody>
-          <a:bodyPr/>
-          <a:lstStyle/>
-          <a:p>
-            <a:r>
-              <a:rPr lang="en-US" dirty="0"/>
-              <a:t>Opacity</a:t>
-            </a:r>
-          </a:p>
-        </p:txBody>
-      </p:sp>
-    </p:spTree>
-    <p:extLst>
-      <p:ext uri="{BB962C8B-B14F-4D97-AF65-F5344CB8AC3E}">
-        <p14:creationId xmlns:p14="http://schemas.microsoft.com/office/powerpoint/2010/main" val="3861634714"/>
-      </p:ext>
-    </p:extLst>
-  </p:cSld>
-  <p:clrMapOvr>
-    <a:masterClrMapping/>
-  </p:clrMapOvr>
+  <p:timing>
+    <p:tnLst>
+      <p:par>
+        <p:cTn id="1" dur="indefinite" restart="never" nodeType="tmRoot"/>
+      </p:par>
+    </p:tnLst>
+  </p:timing>
 </p:sld>
 </file>
 
@@ -5268,6 +5400,13 @@
   <p:clrMapOvr>
     <a:masterClrMapping/>
   </p:clrMapOvr>
+  <p:timing>
+    <p:tnLst>
+      <p:par>
+        <p:cTn id="1" dur="indefinite" restart="never" nodeType="tmRoot"/>
+      </p:par>
+    </p:tnLst>
+  </p:timing>
 </p:sld>
 </file>
 
@@ -5500,6 +5639,13 @@
   <p:clrMapOvr>
     <a:masterClrMapping/>
   </p:clrMapOvr>
+  <p:timing>
+    <p:tnLst>
+      <p:par>
+        <p:cTn id="1" dur="indefinite" restart="never" nodeType="tmRoot"/>
+      </p:par>
+    </p:tnLst>
+  </p:timing>
 </p:sld>
 </file>
 
@@ -5555,21 +5701,13 @@
           <a:p>
             <a:r>
               <a:rPr lang="en-US" sz="1800" dirty="0" smtClean="0"/>
-              <a:t>3. pre</a:t>
-            </a:r>
-          </a:p>
-          <a:p>
-            <a:r>
-              <a:rPr lang="en-US" sz="1800" dirty="0" smtClean="0"/>
-              <a:t>4. pre-wrap</a:t>
-            </a:r>
-          </a:p>
-          <a:p>
-            <a:r>
-              <a:rPr lang="en-US" sz="1800" dirty="0" smtClean="0"/>
-              <a:t>5. pre-line</a:t>
-            </a:r>
-            <a:endParaRPr lang="en-US" sz="1800" dirty="0"/>
+              <a:t>3. </a:t>
+            </a:r>
+            <a:r>
+              <a:rPr lang="en-US" sz="1800" smtClean="0"/>
+              <a:t>pre</a:t>
+            </a:r>
+            <a:endParaRPr lang="en-US" sz="1800" dirty="0" smtClean="0"/>
           </a:p>
         </p:txBody>
       </p:sp>
@@ -5625,6 +5763,13 @@
   <p:clrMapOvr>
     <a:masterClrMapping/>
   </p:clrMapOvr>
+  <p:timing>
+    <p:tnLst>
+      <p:par>
+        <p:cTn id="1" dur="indefinite" restart="never" nodeType="tmRoot"/>
+      </p:par>
+    </p:tnLst>
+  </p:timing>
 </p:sld>
 </file>
 
@@ -6175,6 +6320,13 @@
   <p:clrMapOvr>
     <a:masterClrMapping/>
   </p:clrMapOvr>
+  <p:timing>
+    <p:tnLst>
+      <p:par>
+        <p:cTn id="1" dur="indefinite" restart="never" nodeType="tmRoot"/>
+      </p:par>
+    </p:tnLst>
+  </p:timing>
 </p:sld>
 </file>
 
@@ -6439,6 +6591,13 @@
   <p:clrMapOvr>
     <a:masterClrMapping/>
   </p:clrMapOvr>
+  <p:timing>
+    <p:tnLst>
+      <p:par>
+        <p:cTn id="1" dur="indefinite" restart="never" nodeType="tmRoot"/>
+      </p:par>
+    </p:tnLst>
+  </p:timing>
 </p:sld>
 </file>
 
@@ -6661,6 +6820,13 @@
   <p:clrMapOvr>
     <a:masterClrMapping/>
   </p:clrMapOvr>
+  <p:timing>
+    <p:tnLst>
+      <p:par>
+        <p:cTn id="1" dur="indefinite" restart="never" nodeType="tmRoot"/>
+      </p:par>
+    </p:tnLst>
+  </p:timing>
 </p:sld>
 </file>
 
@@ -6704,8 +6870,13 @@
             </a:r>
             <a:r>
               <a:rPr lang="en-US" sz="1800" dirty="0"/>
-              <a:t>keyframes spin {</a:t>
-            </a:r>
+              <a:t>keyframes </a:t>
+            </a:r>
+            <a:r>
+              <a:rPr lang="en-US" sz="1800" dirty="0" smtClean="0"/>
+              <a:t>ex{</a:t>
+            </a:r>
+            <a:endParaRPr lang="en-US" sz="1800" dirty="0"/>
           </a:p>
           <a:p>
             <a:r>
@@ -6802,11 +6973,15 @@
           <a:p>
             <a:r>
               <a:rPr lang="en-US" sz="2000" dirty="0"/>
-              <a:t>animation: spin </a:t>
-            </a:r>
-            <a:r>
-              <a:rPr lang="en-US" sz="2000" dirty="0" smtClean="0"/>
-              <a:t>2s </a:t>
+              <a:t>animation</a:t>
+            </a:r>
+            <a:r>
+              <a:rPr lang="en-US" sz="2000"/>
+              <a:t>: </a:t>
+            </a:r>
+            <a:r>
+              <a:rPr lang="en-US" sz="2000" smtClean="0"/>
+              <a:t>ex 2s </a:t>
             </a:r>
             <a:r>
               <a:rPr lang="en-US" sz="2000" dirty="0"/>
@@ -6851,6 +7026,13 @@
   <p:clrMapOvr>
     <a:masterClrMapping/>
   </p:clrMapOvr>
+  <p:timing>
+    <p:tnLst>
+      <p:par>
+        <p:cTn id="1" dur="indefinite" restart="never" nodeType="tmRoot"/>
+      </p:par>
+    </p:tnLst>
+  </p:timing>
 </p:sld>
 </file>
 
@@ -6966,6 +7148,13 @@
   <p:clrMapOvr>
     <a:masterClrMapping/>
   </p:clrMapOvr>
+  <p:timing>
+    <p:tnLst>
+      <p:par>
+        <p:cTn id="1" dur="indefinite" restart="never" nodeType="tmRoot"/>
+      </p:par>
+    </p:tnLst>
+  </p:timing>
 </p:sld>
 </file>
 
@@ -7331,6 +7520,13 @@
   <p:clrMapOvr>
     <a:masterClrMapping/>
   </p:clrMapOvr>
+  <p:timing>
+    <p:tnLst>
+      <p:par>
+        <p:cTn id="1" dur="indefinite" restart="never" nodeType="tmRoot"/>
+      </p:par>
+    </p:tnLst>
+  </p:timing>
 </p:sld>
 </file>
 
@@ -7458,6 +7654,13 @@
   <p:clrMapOvr>
     <a:masterClrMapping/>
   </p:clrMapOvr>
+  <p:timing>
+    <p:tnLst>
+      <p:par>
+        <p:cTn id="1" dur="indefinite" restart="never" nodeType="tmRoot"/>
+      </p:par>
+    </p:tnLst>
+  </p:timing>
 </p:sld>
 </file>
 
@@ -7490,236 +7693,132 @@
         </p:nvSpPr>
         <p:spPr/>
         <p:txBody>
-          <a:bodyPr>
-            <a:normAutofit fontScale="92500" lnSpcReduction="20000"/>
-          </a:bodyPr>
-          <a:lstStyle/>
-          <a:p>
-            <a:r>
-              <a:rPr lang="en-US" sz="1800" dirty="0"/>
-              <a:t>&lt;pre</a:t>
-            </a:r>
-            <a:r>
-              <a:rPr lang="en-US" sz="1800" dirty="0" smtClean="0"/>
-              <a:t>&gt;</a:t>
-            </a:r>
-          </a:p>
-          <a:p>
-            <a:r>
-              <a:rPr lang="en-US" sz="1800" dirty="0"/>
-              <a:t> </a:t>
-            </a:r>
-            <a:r>
-              <a:rPr lang="en-US" sz="1800" dirty="0" smtClean="0"/>
-              <a:t> &lt;</a:t>
-            </a:r>
-            <a:r>
-              <a:rPr lang="en-US" sz="1800" dirty="0"/>
-              <a:t>code&gt;</a:t>
-            </a:r>
-          </a:p>
-          <a:p>
-            <a:r>
-              <a:rPr lang="en-US" sz="1800" dirty="0" smtClean="0"/>
-              <a:t>     function name(name</a:t>
-            </a:r>
-            <a:r>
-              <a:rPr lang="en-US" sz="1800" dirty="0"/>
-              <a:t>) {</a:t>
-            </a:r>
-          </a:p>
-          <a:p>
-            <a:r>
-              <a:rPr lang="en-US" sz="1800" dirty="0"/>
-              <a:t>    </a:t>
-            </a:r>
-            <a:r>
-              <a:rPr lang="en-US" sz="1800" dirty="0" smtClean="0"/>
-              <a:t> console.log</a:t>
-            </a:r>
-            <a:r>
-              <a:rPr lang="en-US" sz="1800" dirty="0"/>
-              <a:t>("Hello, " + name);</a:t>
-            </a:r>
-          </a:p>
-          <a:p>
-            <a:r>
-              <a:rPr lang="en-US" sz="1800" dirty="0" smtClean="0"/>
-              <a:t>      }</a:t>
-            </a:r>
-            <a:endParaRPr lang="en-US" sz="1800" dirty="0"/>
-          </a:p>
-          <a:p>
-            <a:r>
-              <a:rPr lang="en-US" sz="1800" dirty="0" smtClean="0"/>
-              <a:t>      name("</a:t>
-            </a:r>
-            <a:r>
-              <a:rPr lang="en-US" sz="1800" dirty="0"/>
-              <a:t>World");</a:t>
-            </a:r>
-          </a:p>
-          <a:p>
-            <a:r>
-              <a:rPr lang="en-US" sz="1800" dirty="0" smtClean="0"/>
-              <a:t>  &lt;/</a:t>
-            </a:r>
-            <a:r>
-              <a:rPr lang="en-US" sz="1800" dirty="0"/>
-              <a:t>code</a:t>
-            </a:r>
-            <a:r>
-              <a:rPr lang="en-US" sz="1800" dirty="0" smtClean="0"/>
-              <a:t>&gt;</a:t>
-            </a:r>
-          </a:p>
-          <a:p>
-            <a:r>
-              <a:rPr lang="en-US" sz="1800" dirty="0" smtClean="0"/>
-              <a:t>&lt;/</a:t>
-            </a:r>
-            <a:r>
-              <a:rPr lang="en-US" sz="1800" dirty="0"/>
-              <a:t>pre&gt;</a:t>
-            </a:r>
-          </a:p>
-          <a:p>
-            <a:endParaRPr lang="fa-IR" dirty="0" smtClean="0"/>
-          </a:p>
-          <a:p>
-            <a:r>
-              <a:rPr lang="en-US" dirty="0"/>
-              <a:t> </a:t>
-            </a:r>
-            <a:r>
-              <a:rPr lang="en-US" sz="1700" dirty="0"/>
-              <a:t> &lt;pre</a:t>
-            </a:r>
-            <a:r>
-              <a:rPr lang="en-US" sz="1700" dirty="0" smtClean="0"/>
-              <a:t>&gt;</a:t>
-            </a:r>
-            <a:endParaRPr lang="fa-IR" sz="1700" dirty="0" smtClean="0"/>
-          </a:p>
-          <a:p>
-            <a:r>
-              <a:rPr lang="fa-IR" sz="1700" dirty="0"/>
-              <a:t> </a:t>
-            </a:r>
-            <a:r>
-              <a:rPr lang="fa-IR" sz="1700" dirty="0" smtClean="0"/>
-              <a:t>    </a:t>
-            </a:r>
-            <a:r>
-              <a:rPr lang="en-US" sz="1700" dirty="0" smtClean="0"/>
-              <a:t>&lt;</a:t>
-            </a:r>
-            <a:r>
-              <a:rPr lang="en-US" sz="1700" dirty="0"/>
-              <a:t>code&gt;</a:t>
-            </a:r>
-          </a:p>
-          <a:p>
-            <a:r>
-              <a:rPr lang="en-US" sz="1700" dirty="0"/>
-              <a:t>    </a:t>
-            </a:r>
-            <a:r>
-              <a:rPr lang="fa-IR" sz="1700" dirty="0" smtClean="0"/>
-              <a:t>     </a:t>
-            </a:r>
-            <a:r>
-              <a:rPr lang="en-US" sz="1700" dirty="0" smtClean="0"/>
-              <a:t>&amp;</a:t>
-            </a:r>
-            <a:r>
-              <a:rPr lang="en-US" sz="1700" dirty="0"/>
-              <a:t>lt;div class="container"&amp;gt;</a:t>
-            </a:r>
-          </a:p>
-          <a:p>
-            <a:r>
-              <a:rPr lang="en-US" sz="1700" dirty="0"/>
-              <a:t>        &amp;lt;p&amp;gt;Hello, World!&amp;lt;/p&amp;gt;</a:t>
-            </a:r>
-          </a:p>
-          <a:p>
-            <a:r>
-              <a:rPr lang="en-US" sz="1700" dirty="0"/>
-              <a:t>    </a:t>
-            </a:r>
-            <a:r>
-              <a:rPr lang="fa-IR" sz="1700" dirty="0" smtClean="0"/>
-              <a:t>     </a:t>
-            </a:r>
-            <a:r>
-              <a:rPr lang="en-US" sz="1700" dirty="0" smtClean="0"/>
-              <a:t>&amp;</a:t>
-            </a:r>
-            <a:r>
-              <a:rPr lang="en-US" sz="1700" dirty="0"/>
-              <a:t>lt;/div&amp;gt;</a:t>
-            </a:r>
-          </a:p>
-          <a:p>
-            <a:r>
-              <a:rPr lang="en-US" sz="1700" dirty="0"/>
-              <a:t>    &lt;/code</a:t>
-            </a:r>
-            <a:r>
-              <a:rPr lang="en-US" sz="1700" dirty="0" smtClean="0"/>
-              <a:t>&gt;</a:t>
-            </a:r>
-            <a:endParaRPr lang="fa-IR" sz="1700" dirty="0" smtClean="0"/>
-          </a:p>
-          <a:p>
-            <a:r>
-              <a:rPr lang="en-US" sz="1700" dirty="0" smtClean="0"/>
-              <a:t>&lt;/</a:t>
-            </a:r>
-            <a:r>
-              <a:rPr lang="en-US" sz="1700" dirty="0"/>
-              <a:t>pre&gt;</a:t>
-            </a:r>
-          </a:p>
-          <a:p>
-            <a:endParaRPr lang="en-US" dirty="0"/>
-          </a:p>
-        </p:txBody>
-      </p:sp>
-      <p:sp>
-        <p:nvSpPr>
-          <p:cNvPr id="3" name="Title 2"/>
-          <p:cNvSpPr>
-            <a:spLocks noGrp="1"/>
-          </p:cNvSpPr>
-          <p:nvPr>
-            <p:ph type="title"/>
-          </p:nvPr>
-        </p:nvSpPr>
-        <p:spPr/>
-        <p:txBody>
           <a:bodyPr/>
           <a:lstStyle/>
           <a:p>
             <a:r>
+              <a:rPr lang="en-US" dirty="0"/>
+              <a:t>opacity: </a:t>
+            </a:r>
+            <a:r>
               <a:rPr lang="en-US" dirty="0" smtClean="0"/>
-              <a:t>Pre - Code</a:t>
-            </a:r>
-            <a:endParaRPr lang="en-US" dirty="0"/>
+              <a:t>1</a:t>
+            </a:r>
+            <a:endParaRPr lang="fa-IR" dirty="0" smtClean="0"/>
+          </a:p>
+          <a:p>
+            <a:endParaRPr lang="fa-IR" dirty="0"/>
+          </a:p>
+          <a:p>
+            <a:r>
+              <a:rPr lang="en-US" dirty="0"/>
+              <a:t>opacity: </a:t>
+            </a:r>
+            <a:r>
+              <a:rPr lang="fa-IR" dirty="0" smtClean="0"/>
+              <a:t>0</a:t>
+            </a:r>
+          </a:p>
+          <a:p>
+            <a:endParaRPr lang="fa-IR" sz="2000" dirty="0"/>
+          </a:p>
+          <a:p>
+            <a:r>
+              <a:rPr lang="en-US" sz="2000" dirty="0" smtClean="0"/>
+              <a:t>.</a:t>
+            </a:r>
+            <a:r>
+              <a:rPr lang="en-US" sz="1600" dirty="0" smtClean="0"/>
+              <a:t>div</a:t>
+            </a:r>
+            <a:endParaRPr lang="fa-IR" sz="1600" dirty="0" smtClean="0"/>
+          </a:p>
+          <a:p>
+            <a:r>
+              <a:rPr lang="en-US" sz="1600" dirty="0" smtClean="0"/>
+              <a:t> </a:t>
+            </a:r>
+            <a:r>
+              <a:rPr lang="fa-IR" sz="1600" dirty="0" smtClean="0"/>
+              <a:t>   </a:t>
+            </a:r>
+            <a:r>
+              <a:rPr lang="en-US" sz="1600" dirty="0" smtClean="0"/>
+              <a:t>{</a:t>
+            </a:r>
+            <a:endParaRPr lang="fa-IR" sz="1600" dirty="0" smtClean="0"/>
+          </a:p>
+          <a:p>
+            <a:r>
+              <a:rPr lang="en-US" sz="1600" dirty="0" smtClean="0"/>
+              <a:t> </a:t>
+            </a:r>
+            <a:r>
+              <a:rPr lang="fa-IR" sz="1600" dirty="0" smtClean="0"/>
+              <a:t>     </a:t>
+            </a:r>
+            <a:r>
+              <a:rPr lang="en-US" sz="1600" dirty="0" smtClean="0"/>
+              <a:t>opacity</a:t>
+            </a:r>
+            <a:r>
+              <a:rPr lang="en-US" sz="1600" dirty="0"/>
+              <a:t>: 0.5; </a:t>
+            </a:r>
+            <a:endParaRPr lang="fa-IR" sz="1600" dirty="0" smtClean="0"/>
+          </a:p>
+          <a:p>
+            <a:r>
+              <a:rPr lang="fa-IR" sz="1600" dirty="0" smtClean="0"/>
+              <a:t>{</a:t>
+            </a:r>
+            <a:r>
+              <a:rPr lang="fa-IR" sz="2000" dirty="0" smtClean="0"/>
+              <a:t>   </a:t>
+            </a:r>
+            <a:endParaRPr lang="en-US" sz="2000" dirty="0"/>
+          </a:p>
+        </p:txBody>
+      </p:sp>
+      <p:sp>
+        <p:nvSpPr>
+          <p:cNvPr id="3" name="Title 2"/>
+          <p:cNvSpPr>
+            <a:spLocks noGrp="1"/>
+          </p:cNvSpPr>
+          <p:nvPr>
+            <p:ph type="title"/>
+          </p:nvPr>
+        </p:nvSpPr>
+        <p:spPr/>
+        <p:txBody>
+          <a:bodyPr/>
+          <a:lstStyle/>
+          <a:p>
+            <a:r>
+              <a:rPr lang="en-US" dirty="0"/>
+              <a:t>Opacity</a:t>
+            </a:r>
           </a:p>
         </p:txBody>
       </p:sp>
     </p:spTree>
     <p:extLst>
       <p:ext uri="{BB962C8B-B14F-4D97-AF65-F5344CB8AC3E}">
-        <p14:creationId xmlns:p14="http://schemas.microsoft.com/office/powerpoint/2010/main" val="2139934963"/>
+        <p14:creationId xmlns:p14="http://schemas.microsoft.com/office/powerpoint/2010/main" val="3861634714"/>
       </p:ext>
     </p:extLst>
   </p:cSld>
   <p:clrMapOvr>
     <a:masterClrMapping/>
   </p:clrMapOvr>
+  <p:timing>
+    <p:tnLst>
+      <p:par>
+        <p:cTn id="1" dur="indefinite" restart="never" nodeType="tmRoot"/>
+      </p:par>
+    </p:tnLst>
+  </p:timing>
 </p:sld>
 </file>
 
